--- a/memes/sources/Presentation2.pptx
+++ b/memes/sources/Presentation2.pptx
@@ -6,6 +6,7 @@
   </p:sldMasterIdLst>
   <p:sldIdLst>
     <p:sldId id="256" r:id="rId2"/>
+    <p:sldId id="257" r:id="rId3"/>
   </p:sldIdLst>
   <p:sldSz cx="12192000" cy="6858000"/>
   <p:notesSz cx="6858000" cy="9144000"/>
@@ -104,6 +105,11 @@
       </a:defRPr>
     </a:lvl9pPr>
   </p:defaultTextStyle>
+  <p:extLst>
+    <p:ext uri="{EFAFB233-063F-42B5-8137-9DF3F51BA10A}">
+      <p15:sldGuideLst xmlns:p15="http://schemas.microsoft.com/office/powerpoint/2012/main"/>
+    </p:ext>
+  </p:extLst>
 </p:presentation>
 </file>
 
@@ -254,7 +260,7 @@
           <a:p>
             <a:fld id="{9DCF5F98-182D-4D71-92A2-2D9991B139CA}" type="datetimeFigureOut">
               <a:rPr lang="en-US" smtClean="0"/>
-              <a:t>10/15/2021</a:t>
+              <a:t>1/12/2022</a:t>
             </a:fld>
             <a:endParaRPr lang="en-US"/>
           </a:p>
@@ -452,7 +458,7 @@
           <a:p>
             <a:fld id="{9DCF5F98-182D-4D71-92A2-2D9991B139CA}" type="datetimeFigureOut">
               <a:rPr lang="en-US" smtClean="0"/>
-              <a:t>10/15/2021</a:t>
+              <a:t>1/12/2022</a:t>
             </a:fld>
             <a:endParaRPr lang="en-US"/>
           </a:p>
@@ -660,7 +666,7 @@
           <a:p>
             <a:fld id="{9DCF5F98-182D-4D71-92A2-2D9991B139CA}" type="datetimeFigureOut">
               <a:rPr lang="en-US" smtClean="0"/>
-              <a:t>10/15/2021</a:t>
+              <a:t>1/12/2022</a:t>
             </a:fld>
             <a:endParaRPr lang="en-US"/>
           </a:p>
@@ -858,7 +864,7 @@
           <a:p>
             <a:fld id="{9DCF5F98-182D-4D71-92A2-2D9991B139CA}" type="datetimeFigureOut">
               <a:rPr lang="en-US" smtClean="0"/>
-              <a:t>10/15/2021</a:t>
+              <a:t>1/12/2022</a:t>
             </a:fld>
             <a:endParaRPr lang="en-US"/>
           </a:p>
@@ -1133,7 +1139,7 @@
           <a:p>
             <a:fld id="{9DCF5F98-182D-4D71-92A2-2D9991B139CA}" type="datetimeFigureOut">
               <a:rPr lang="en-US" smtClean="0"/>
-              <a:t>10/15/2021</a:t>
+              <a:t>1/12/2022</a:t>
             </a:fld>
             <a:endParaRPr lang="en-US"/>
           </a:p>
@@ -1398,7 +1404,7 @@
           <a:p>
             <a:fld id="{9DCF5F98-182D-4D71-92A2-2D9991B139CA}" type="datetimeFigureOut">
               <a:rPr lang="en-US" smtClean="0"/>
-              <a:t>10/15/2021</a:t>
+              <a:t>1/12/2022</a:t>
             </a:fld>
             <a:endParaRPr lang="en-US"/>
           </a:p>
@@ -1810,7 +1816,7 @@
           <a:p>
             <a:fld id="{9DCF5F98-182D-4D71-92A2-2D9991B139CA}" type="datetimeFigureOut">
               <a:rPr lang="en-US" smtClean="0"/>
-              <a:t>10/15/2021</a:t>
+              <a:t>1/12/2022</a:t>
             </a:fld>
             <a:endParaRPr lang="en-US"/>
           </a:p>
@@ -1951,7 +1957,7 @@
           <a:p>
             <a:fld id="{9DCF5F98-182D-4D71-92A2-2D9991B139CA}" type="datetimeFigureOut">
               <a:rPr lang="en-US" smtClean="0"/>
-              <a:t>10/15/2021</a:t>
+              <a:t>1/12/2022</a:t>
             </a:fld>
             <a:endParaRPr lang="en-US"/>
           </a:p>
@@ -2064,7 +2070,7 @@
           <a:p>
             <a:fld id="{9DCF5F98-182D-4D71-92A2-2D9991B139CA}" type="datetimeFigureOut">
               <a:rPr lang="en-US" smtClean="0"/>
-              <a:t>10/15/2021</a:t>
+              <a:t>1/12/2022</a:t>
             </a:fld>
             <a:endParaRPr lang="en-US"/>
           </a:p>
@@ -2375,7 +2381,7 @@
           <a:p>
             <a:fld id="{9DCF5F98-182D-4D71-92A2-2D9991B139CA}" type="datetimeFigureOut">
               <a:rPr lang="en-US" smtClean="0"/>
-              <a:t>10/15/2021</a:t>
+              <a:t>1/12/2022</a:t>
             </a:fld>
             <a:endParaRPr lang="en-US"/>
           </a:p>
@@ -2663,7 +2669,7 @@
           <a:p>
             <a:fld id="{9DCF5F98-182D-4D71-92A2-2D9991B139CA}" type="datetimeFigureOut">
               <a:rPr lang="en-US" smtClean="0"/>
-              <a:t>10/15/2021</a:t>
+              <a:t>1/12/2022</a:t>
             </a:fld>
             <a:endParaRPr lang="en-US"/>
           </a:p>
@@ -2904,7 +2910,7 @@
           <a:p>
             <a:fld id="{9DCF5F98-182D-4D71-92A2-2D9991B139CA}" type="datetimeFigureOut">
               <a:rPr lang="en-US" smtClean="0"/>
-              <a:t>10/15/2021</a:t>
+              <a:t>1/12/2022</a:t>
             </a:fld>
             <a:endParaRPr lang="en-US"/>
           </a:p>
@@ -3466,6 +3472,443 @@
 </p:sld>
 </file>
 
+<file path=ppt/slides/slide2.xml><?xml version="1.0" encoding="utf-8"?>
+<p:sld xmlns:a="http://schemas.openxmlformats.org/drawingml/2006/main" xmlns:r="http://schemas.openxmlformats.org/officeDocument/2006/relationships" xmlns:p="http://schemas.openxmlformats.org/presentationml/2006/main">
+  <p:cSld>
+    <p:spTree>
+      <p:nvGrpSpPr>
+        <p:cNvPr id="1" name=""/>
+        <p:cNvGrpSpPr/>
+        <p:nvPr/>
+      </p:nvGrpSpPr>
+      <p:grpSpPr>
+        <a:xfrm>
+          <a:off x="0" y="0"/>
+          <a:ext cx="0" cy="0"/>
+          <a:chOff x="0" y="0"/>
+          <a:chExt cx="0" cy="0"/>
+        </a:xfrm>
+      </p:grpSpPr>
+      <p:sp>
+        <p:nvSpPr>
+          <p:cNvPr id="4" name="Rectangle 3">
+            <a:extLst>
+              <a:ext uri="{FF2B5EF4-FFF2-40B4-BE49-F238E27FC236}">
+                <a16:creationId xmlns:a16="http://schemas.microsoft.com/office/drawing/2014/main" id="{AF7988FE-1B8B-43B3-A543-6CD595E745E7}"/>
+              </a:ext>
+            </a:extLst>
+          </p:cNvPr>
+          <p:cNvSpPr/>
+          <p:nvPr/>
+        </p:nvSpPr>
+        <p:spPr>
+          <a:xfrm>
+            <a:off x="2724411" y="1146132"/>
+            <a:ext cx="2830882" cy="3087665"/>
+          </a:xfrm>
+          <a:prstGeom prst="rect">
+            <a:avLst/>
+          </a:prstGeom>
+        </p:spPr>
+        <p:style>
+          <a:lnRef idx="2">
+            <a:schemeClr val="dk1"/>
+          </a:lnRef>
+          <a:fillRef idx="1">
+            <a:schemeClr val="lt1"/>
+          </a:fillRef>
+          <a:effectRef idx="0">
+            <a:schemeClr val="dk1"/>
+          </a:effectRef>
+          <a:fontRef idx="minor">
+            <a:schemeClr val="dk1"/>
+          </a:fontRef>
+        </p:style>
+        <p:txBody>
+          <a:bodyPr rtlCol="0" anchor="ctr"/>
+          <a:lstStyle/>
+          <a:p>
+            <a:pPr algn="ctr"/>
+            <a:endParaRPr lang="en-US"/>
+          </a:p>
+        </p:txBody>
+      </p:sp>
+      <p:sp>
+        <p:nvSpPr>
+          <p:cNvPr id="5" name="Rectangle 4">
+            <a:extLst>
+              <a:ext uri="{FF2B5EF4-FFF2-40B4-BE49-F238E27FC236}">
+                <a16:creationId xmlns:a16="http://schemas.microsoft.com/office/drawing/2014/main" id="{DEA5E2BE-FFB5-46AA-A3C6-2327DA893A65}"/>
+              </a:ext>
+            </a:extLst>
+          </p:cNvPr>
+          <p:cNvSpPr/>
+          <p:nvPr/>
+        </p:nvSpPr>
+        <p:spPr>
+          <a:xfrm>
+            <a:off x="5634680" y="1146131"/>
+            <a:ext cx="2830882" cy="3087665"/>
+          </a:xfrm>
+          <a:prstGeom prst="rect">
+            <a:avLst/>
+          </a:prstGeom>
+        </p:spPr>
+        <p:style>
+          <a:lnRef idx="2">
+            <a:schemeClr val="dk1"/>
+          </a:lnRef>
+          <a:fillRef idx="1">
+            <a:schemeClr val="lt1"/>
+          </a:fillRef>
+          <a:effectRef idx="0">
+            <a:schemeClr val="dk1"/>
+          </a:effectRef>
+          <a:fontRef idx="minor">
+            <a:schemeClr val="dk1"/>
+          </a:fontRef>
+        </p:style>
+        <p:txBody>
+          <a:bodyPr rtlCol="0" anchor="ctr"/>
+          <a:lstStyle/>
+          <a:p>
+            <a:pPr algn="ctr"/>
+            <a:endParaRPr lang="en-US"/>
+          </a:p>
+        </p:txBody>
+      </p:sp>
+      <p:pic>
+        <p:nvPicPr>
+          <p:cNvPr id="6" name="Picture 5" descr="Icon&#10;&#10;Description automatically generated">
+            <a:extLst>
+              <a:ext uri="{FF2B5EF4-FFF2-40B4-BE49-F238E27FC236}">
+                <a16:creationId xmlns:a16="http://schemas.microsoft.com/office/drawing/2014/main" id="{351BEA46-B501-4445-8A02-B81820092E82}"/>
+              </a:ext>
+            </a:extLst>
+          </p:cNvPr>
+          <p:cNvPicPr>
+            <a:picLocks noChangeAspect="1"/>
+          </p:cNvPicPr>
+          <p:nvPr/>
+        </p:nvPicPr>
+        <p:blipFill>
+          <a:blip r:embed="rId2">
+            <a:extLst>
+              <a:ext uri="{28A0092B-C50C-407E-A947-70E740481C1C}">
+                <a14:useLocalDpi xmlns:a14="http://schemas.microsoft.com/office/drawing/2010/main" val="0"/>
+              </a:ext>
+            </a:extLst>
+          </a:blip>
+          <a:stretch>
+            <a:fillRect/>
+          </a:stretch>
+        </p:blipFill>
+        <p:spPr>
+          <a:xfrm>
+            <a:off x="2834664" y="1415609"/>
+            <a:ext cx="2560720" cy="2381713"/>
+          </a:xfrm>
+          <a:prstGeom prst="rect">
+            <a:avLst/>
+          </a:prstGeom>
+        </p:spPr>
+      </p:pic>
+      <p:pic>
+        <p:nvPicPr>
+          <p:cNvPr id="7" name="Picture 6" descr="Icon&#10;&#10;Description automatically generated">
+            <a:extLst>
+              <a:ext uri="{FF2B5EF4-FFF2-40B4-BE49-F238E27FC236}">
+                <a16:creationId xmlns:a16="http://schemas.microsoft.com/office/drawing/2014/main" id="{C8AECBBF-4121-45E8-9770-2E115F01577A}"/>
+              </a:ext>
+            </a:extLst>
+          </p:cNvPr>
+          <p:cNvPicPr>
+            <a:picLocks noChangeAspect="1"/>
+          </p:cNvPicPr>
+          <p:nvPr/>
+        </p:nvPicPr>
+        <p:blipFill>
+          <a:blip r:embed="rId3">
+            <a:extLst>
+              <a:ext uri="{28A0092B-C50C-407E-A947-70E740481C1C}">
+                <a14:useLocalDpi xmlns:a14="http://schemas.microsoft.com/office/drawing/2010/main" val="0"/>
+              </a:ext>
+            </a:extLst>
+          </a:blip>
+          <a:stretch>
+            <a:fillRect/>
+          </a:stretch>
+        </p:blipFill>
+        <p:spPr>
+          <a:xfrm>
+            <a:off x="6710950" y="1991861"/>
+            <a:ext cx="1315911" cy="876120"/>
+          </a:xfrm>
+          <a:prstGeom prst="rect">
+            <a:avLst/>
+          </a:prstGeom>
+        </p:spPr>
+      </p:pic>
+      <p:pic>
+        <p:nvPicPr>
+          <p:cNvPr id="8" name="Picture 7" descr="Icon&#10;&#10;Description automatically generated">
+            <a:extLst>
+              <a:ext uri="{FF2B5EF4-FFF2-40B4-BE49-F238E27FC236}">
+                <a16:creationId xmlns:a16="http://schemas.microsoft.com/office/drawing/2014/main" id="{524B8D43-E957-4ACC-90A6-19E61822EEFA}"/>
+              </a:ext>
+            </a:extLst>
+          </p:cNvPr>
+          <p:cNvPicPr>
+            <a:picLocks noChangeAspect="1"/>
+          </p:cNvPicPr>
+          <p:nvPr/>
+        </p:nvPicPr>
+        <p:blipFill>
+          <a:blip r:embed="rId4">
+            <a:extLst>
+              <a:ext uri="{28A0092B-C50C-407E-A947-70E740481C1C}">
+                <a14:useLocalDpi xmlns:a14="http://schemas.microsoft.com/office/drawing/2010/main" val="0"/>
+              </a:ext>
+            </a:extLst>
+          </a:blip>
+          <a:stretch>
+            <a:fillRect/>
+          </a:stretch>
+        </p:blipFill>
+        <p:spPr>
+          <a:xfrm>
+            <a:off x="7368906" y="1352041"/>
+            <a:ext cx="804379" cy="804379"/>
+          </a:xfrm>
+          <a:prstGeom prst="rect">
+            <a:avLst/>
+          </a:prstGeom>
+        </p:spPr>
+      </p:pic>
+      <p:pic>
+        <p:nvPicPr>
+          <p:cNvPr id="9" name="Picture 8" descr="Shape&#10;&#10;Description automatically generated">
+            <a:extLst>
+              <a:ext uri="{FF2B5EF4-FFF2-40B4-BE49-F238E27FC236}">
+                <a16:creationId xmlns:a16="http://schemas.microsoft.com/office/drawing/2014/main" id="{17F297A8-376A-4FDA-864B-785420AC452B}"/>
+              </a:ext>
+            </a:extLst>
+          </p:cNvPr>
+          <p:cNvPicPr>
+            <a:picLocks noChangeAspect="1"/>
+          </p:cNvPicPr>
+          <p:nvPr/>
+        </p:nvPicPr>
+        <p:blipFill>
+          <a:blip r:embed="rId5">
+            <a:extLst>
+              <a:ext uri="{28A0092B-C50C-407E-A947-70E740481C1C}">
+                <a14:useLocalDpi xmlns:a14="http://schemas.microsoft.com/office/drawing/2010/main" val="0"/>
+              </a:ext>
+            </a:extLst>
+          </a:blip>
+          <a:stretch>
+            <a:fillRect/>
+          </a:stretch>
+        </p:blipFill>
+        <p:spPr>
+          <a:xfrm>
+            <a:off x="6143021" y="1352041"/>
+            <a:ext cx="804379" cy="804379"/>
+          </a:xfrm>
+          <a:prstGeom prst="rect">
+            <a:avLst/>
+          </a:prstGeom>
+        </p:spPr>
+      </p:pic>
+      <p:pic>
+        <p:nvPicPr>
+          <p:cNvPr id="10" name="Picture 9" descr="Logo&#10;&#10;Description automatically generated">
+            <a:extLst>
+              <a:ext uri="{FF2B5EF4-FFF2-40B4-BE49-F238E27FC236}">
+                <a16:creationId xmlns:a16="http://schemas.microsoft.com/office/drawing/2014/main" id="{41F02AC1-7810-4A0F-96FB-1483CC5F67B1}"/>
+              </a:ext>
+            </a:extLst>
+          </p:cNvPr>
+          <p:cNvPicPr>
+            <a:picLocks noChangeAspect="1"/>
+          </p:cNvPicPr>
+          <p:nvPr/>
+        </p:nvPicPr>
+        <p:blipFill>
+          <a:blip r:embed="rId6">
+            <a:extLst>
+              <a:ext uri="{28A0092B-C50C-407E-A947-70E740481C1C}">
+                <a14:useLocalDpi xmlns:a14="http://schemas.microsoft.com/office/drawing/2010/main" val="0"/>
+              </a:ext>
+            </a:extLst>
+          </a:blip>
+          <a:stretch>
+            <a:fillRect/>
+          </a:stretch>
+        </p:blipFill>
+        <p:spPr>
+          <a:xfrm>
+            <a:off x="5829928" y="2368438"/>
+            <a:ext cx="873613" cy="306778"/>
+          </a:xfrm>
+          <a:prstGeom prst="rect">
+            <a:avLst/>
+          </a:prstGeom>
+        </p:spPr>
+      </p:pic>
+      <p:pic>
+        <p:nvPicPr>
+          <p:cNvPr id="11" name="Picture 10" descr="Logo, company name&#10;&#10;Description automatically generated">
+            <a:extLst>
+              <a:ext uri="{FF2B5EF4-FFF2-40B4-BE49-F238E27FC236}">
+                <a16:creationId xmlns:a16="http://schemas.microsoft.com/office/drawing/2014/main" id="{2D8C36C0-48C2-4A9E-8692-4F85147BFDF8}"/>
+              </a:ext>
+            </a:extLst>
+          </p:cNvPr>
+          <p:cNvPicPr>
+            <a:picLocks noChangeAspect="1"/>
+          </p:cNvPicPr>
+          <p:nvPr/>
+        </p:nvPicPr>
+        <p:blipFill>
+          <a:blip r:embed="rId7">
+            <a:extLst>
+              <a:ext uri="{28A0092B-C50C-407E-A947-70E740481C1C}">
+                <a14:useLocalDpi xmlns:a14="http://schemas.microsoft.com/office/drawing/2010/main" val="0"/>
+              </a:ext>
+            </a:extLst>
+          </a:blip>
+          <a:stretch>
+            <a:fillRect/>
+          </a:stretch>
+        </p:blipFill>
+        <p:spPr>
+          <a:xfrm>
+            <a:off x="7100604" y="3166617"/>
+            <a:ext cx="756022" cy="876120"/>
+          </a:xfrm>
+          <a:prstGeom prst="rect">
+            <a:avLst/>
+          </a:prstGeom>
+        </p:spPr>
+      </p:pic>
+      <p:pic>
+        <p:nvPicPr>
+          <p:cNvPr id="12" name="Picture 11" descr="Icon&#10;&#10;Description automatically generated">
+            <a:extLst>
+              <a:ext uri="{FF2B5EF4-FFF2-40B4-BE49-F238E27FC236}">
+                <a16:creationId xmlns:a16="http://schemas.microsoft.com/office/drawing/2014/main" id="{4479796E-5E33-46F5-A8B5-42D5D9300C0C}"/>
+              </a:ext>
+            </a:extLst>
+          </p:cNvPr>
+          <p:cNvPicPr>
+            <a:picLocks noChangeAspect="1"/>
+          </p:cNvPicPr>
+          <p:nvPr/>
+        </p:nvPicPr>
+        <p:blipFill>
+          <a:blip r:embed="rId2">
+            <a:extLst>
+              <a:ext uri="{28A0092B-C50C-407E-A947-70E740481C1C}">
+                <a14:useLocalDpi xmlns:a14="http://schemas.microsoft.com/office/drawing/2010/main" val="0"/>
+              </a:ext>
+            </a:extLst>
+          </a:blip>
+          <a:stretch>
+            <a:fillRect/>
+          </a:stretch>
+        </p:blipFill>
+        <p:spPr>
+          <a:xfrm>
+            <a:off x="5995088" y="3060678"/>
+            <a:ext cx="584885" cy="543999"/>
+          </a:xfrm>
+          <a:prstGeom prst="rect">
+            <a:avLst/>
+          </a:prstGeom>
+        </p:spPr>
+      </p:pic>
+      <p:sp>
+        <p:nvSpPr>
+          <p:cNvPr id="13" name="TextBox 12">
+            <a:extLst>
+              <a:ext uri="{FF2B5EF4-FFF2-40B4-BE49-F238E27FC236}">
+                <a16:creationId xmlns:a16="http://schemas.microsoft.com/office/drawing/2014/main" id="{645F2666-EEA9-4A0F-97AE-4BDF33FAA818}"/>
+              </a:ext>
+            </a:extLst>
+          </p:cNvPr>
+          <p:cNvSpPr txBox="1"/>
+          <p:nvPr/>
+        </p:nvSpPr>
+        <p:spPr>
+          <a:xfrm>
+            <a:off x="2724411" y="516902"/>
+            <a:ext cx="5689709" cy="523220"/>
+          </a:xfrm>
+          <a:prstGeom prst="rect">
+            <a:avLst/>
+          </a:prstGeom>
+          <a:noFill/>
+        </p:spPr>
+        <p:txBody>
+          <a:bodyPr wrap="square" rtlCol="0">
+            <a:spAutoFit/>
+          </a:bodyPr>
+          <a:lstStyle/>
+          <a:p>
+            <a:r>
+              <a:rPr lang="en-US" sz="2800" dirty="0">
+                <a:latin typeface="Pragmatica Light" panose="020B0403040502020204" pitchFamily="34" charset="0"/>
+              </a:rPr>
+              <a:t>10 year data analyst challenge</a:t>
+            </a:r>
+          </a:p>
+        </p:txBody>
+      </p:sp>
+      <p:pic>
+        <p:nvPicPr>
+          <p:cNvPr id="14" name="Picture 13">
+            <a:extLst>
+              <a:ext uri="{FF2B5EF4-FFF2-40B4-BE49-F238E27FC236}">
+                <a16:creationId xmlns:a16="http://schemas.microsoft.com/office/drawing/2014/main" id="{7D3B440C-77C1-4D93-908D-0F7F1D905AB7}"/>
+              </a:ext>
+            </a:extLst>
+          </p:cNvPr>
+          <p:cNvPicPr>
+            <a:picLocks noChangeAspect="1"/>
+          </p:cNvPicPr>
+          <p:nvPr/>
+        </p:nvPicPr>
+        <p:blipFill>
+          <a:blip r:embed="rId8"/>
+          <a:stretch>
+            <a:fillRect/>
+          </a:stretch>
+        </p:blipFill>
+        <p:spPr>
+          <a:xfrm>
+            <a:off x="2724411" y="1868165"/>
+            <a:ext cx="5877053" cy="3785944"/>
+          </a:xfrm>
+          <a:prstGeom prst="rect">
+            <a:avLst/>
+          </a:prstGeom>
+        </p:spPr>
+      </p:pic>
+    </p:spTree>
+    <p:extLst>
+      <p:ext uri="{BB962C8B-B14F-4D97-AF65-F5344CB8AC3E}">
+        <p14:creationId xmlns:p14="http://schemas.microsoft.com/office/powerpoint/2010/main" val="4279435224"/>
+      </p:ext>
+    </p:extLst>
+  </p:cSld>
+  <p:clrMapOvr>
+    <a:masterClrMapping/>
+  </p:clrMapOvr>
+</p:sld>
+</file>
+
 <file path=ppt/theme/theme1.xml><?xml version="1.0" encoding="utf-8"?>
 <a:theme xmlns:a="http://schemas.openxmlformats.org/drawingml/2006/main" name="Office Theme">
   <a:themeElements>
